--- a/Lectures/Lecture 20/Lecture 20.pptx
+++ b/Lectures/Lecture 20/Lecture 20.pptx
@@ -224,7 +224,7 @@
           <a:p>
             <a:fld id="{467FE51A-BC06-4E6F-B1DA-B477364E598F}" type="datetimeFigureOut">
               <a:rPr lang="en-US" smtClean="0"/>
-              <a:t>3/5/2020</a:t>
+              <a:t>3/23/2021</a:t>
             </a:fld>
             <a:endParaRPr lang="en-US"/>
           </a:p>
@@ -638,7 +638,7 @@
           <a:p>
             <a:fld id="{11C4ABE2-2F1A-4C31-A43A-C3E7CE49CE95}" type="datetimeFigureOut">
               <a:rPr lang="en-US" smtClean="0"/>
-              <a:t>3/5/2020</a:t>
+              <a:t>3/23/2021</a:t>
             </a:fld>
             <a:endParaRPr lang="en-US"/>
           </a:p>
@@ -836,7 +836,7 @@
           <a:p>
             <a:fld id="{11C4ABE2-2F1A-4C31-A43A-C3E7CE49CE95}" type="datetimeFigureOut">
               <a:rPr lang="en-US" smtClean="0"/>
-              <a:t>3/5/2020</a:t>
+              <a:t>3/23/2021</a:t>
             </a:fld>
             <a:endParaRPr lang="en-US"/>
           </a:p>
@@ -1044,7 +1044,7 @@
           <a:p>
             <a:fld id="{11C4ABE2-2F1A-4C31-A43A-C3E7CE49CE95}" type="datetimeFigureOut">
               <a:rPr lang="en-US" smtClean="0"/>
-              <a:t>3/5/2020</a:t>
+              <a:t>3/23/2021</a:t>
             </a:fld>
             <a:endParaRPr lang="en-US"/>
           </a:p>
@@ -1242,7 +1242,7 @@
           <a:p>
             <a:fld id="{11C4ABE2-2F1A-4C31-A43A-C3E7CE49CE95}" type="datetimeFigureOut">
               <a:rPr lang="en-US" smtClean="0"/>
-              <a:t>3/5/2020</a:t>
+              <a:t>3/23/2021</a:t>
             </a:fld>
             <a:endParaRPr lang="en-US"/>
           </a:p>
@@ -1517,7 +1517,7 @@
           <a:p>
             <a:fld id="{11C4ABE2-2F1A-4C31-A43A-C3E7CE49CE95}" type="datetimeFigureOut">
               <a:rPr lang="en-US" smtClean="0"/>
-              <a:t>3/5/2020</a:t>
+              <a:t>3/23/2021</a:t>
             </a:fld>
             <a:endParaRPr lang="en-US"/>
           </a:p>
@@ -1782,7 +1782,7 @@
           <a:p>
             <a:fld id="{11C4ABE2-2F1A-4C31-A43A-C3E7CE49CE95}" type="datetimeFigureOut">
               <a:rPr lang="en-US" smtClean="0"/>
-              <a:t>3/5/2020</a:t>
+              <a:t>3/23/2021</a:t>
             </a:fld>
             <a:endParaRPr lang="en-US"/>
           </a:p>
@@ -2194,7 +2194,7 @@
           <a:p>
             <a:fld id="{11C4ABE2-2F1A-4C31-A43A-C3E7CE49CE95}" type="datetimeFigureOut">
               <a:rPr lang="en-US" smtClean="0"/>
-              <a:t>3/5/2020</a:t>
+              <a:t>3/23/2021</a:t>
             </a:fld>
             <a:endParaRPr lang="en-US"/>
           </a:p>
@@ -2335,7 +2335,7 @@
           <a:p>
             <a:fld id="{11C4ABE2-2F1A-4C31-A43A-C3E7CE49CE95}" type="datetimeFigureOut">
               <a:rPr lang="en-US" smtClean="0"/>
-              <a:t>3/5/2020</a:t>
+              <a:t>3/23/2021</a:t>
             </a:fld>
             <a:endParaRPr lang="en-US"/>
           </a:p>
@@ -2448,7 +2448,7 @@
           <a:p>
             <a:fld id="{11C4ABE2-2F1A-4C31-A43A-C3E7CE49CE95}" type="datetimeFigureOut">
               <a:rPr lang="en-US" smtClean="0"/>
-              <a:t>3/5/2020</a:t>
+              <a:t>3/23/2021</a:t>
             </a:fld>
             <a:endParaRPr lang="en-US"/>
           </a:p>
@@ -2759,7 +2759,7 @@
           <a:p>
             <a:fld id="{11C4ABE2-2F1A-4C31-A43A-C3E7CE49CE95}" type="datetimeFigureOut">
               <a:rPr lang="en-US" smtClean="0"/>
-              <a:t>3/5/2020</a:t>
+              <a:t>3/23/2021</a:t>
             </a:fld>
             <a:endParaRPr lang="en-US"/>
           </a:p>
@@ -3047,7 +3047,7 @@
           <a:p>
             <a:fld id="{11C4ABE2-2F1A-4C31-A43A-C3E7CE49CE95}" type="datetimeFigureOut">
               <a:rPr lang="en-US" smtClean="0"/>
-              <a:t>3/5/2020</a:t>
+              <a:t>3/23/2021</a:t>
             </a:fld>
             <a:endParaRPr lang="en-US"/>
           </a:p>
@@ -3288,7 +3288,7 @@
           <a:p>
             <a:fld id="{11C4ABE2-2F1A-4C31-A43A-C3E7CE49CE95}" type="datetimeFigureOut">
               <a:rPr lang="en-US" smtClean="0"/>
-              <a:t>3/5/2020</a:t>
+              <a:t>3/23/2021</a:t>
             </a:fld>
             <a:endParaRPr lang="en-US"/>
           </a:p>
@@ -5802,13 +5802,22 @@
                   <a:buChar char="•"/>
                 </a:pPr>
                 <a:r>
+                  <a:rPr lang="en-US" sz="2000">
+                    <a:solidFill>
+                      <a:srgbClr val="404040"/>
+                    </a:solidFill>
+                    <a:latin typeface="Corbel" panose="020B0503020204020204" pitchFamily="34" charset="0"/>
+                  </a:rPr>
+                  <a:t>8,500 </a:t>
+                </a:r>
+                <a:r>
                   <a:rPr lang="en-US" sz="2000" dirty="0">
                     <a:solidFill>
                       <a:srgbClr val="404040"/>
                     </a:solidFill>
                     <a:latin typeface="Corbel" panose="020B0503020204020204" pitchFamily="34" charset="0"/>
                   </a:rPr>
-                  <a:t>8,5000 minutes of cutting time</a:t>
+                  <a:t>minutes of cutting time</a:t>
                 </a:r>
               </a:p>
               <a:p>
@@ -7209,8 +7218,8 @@
           </a:prstGeom>
         </p:spPr>
       </p:pic>
-      <mc:AlternateContent xmlns:mc="http://schemas.openxmlformats.org/markup-compatibility/2006">
-        <mc:Choice xmlns:a14="http://schemas.microsoft.com/office/drawing/2010/main" Requires="a14">
+      <mc:AlternateContent xmlns:mc="http://schemas.openxmlformats.org/markup-compatibility/2006" xmlns:a14="http://schemas.microsoft.com/office/drawing/2010/main">
+        <mc:Choice Requires="a14">
           <p:sp>
             <p:nvSpPr>
               <p:cNvPr id="29" name="TextBox 28">
@@ -7743,7 +7752,7 @@
             </p:txBody>
           </p:sp>
         </mc:Choice>
-        <mc:Fallback>
+        <mc:Fallback xmlns="">
           <p:sp>
             <p:nvSpPr>
               <p:cNvPr id="29" name="TextBox 28">
@@ -8944,8 +8953,8 @@
           </a:prstGeom>
         </p:spPr>
       </p:pic>
-      <mc:AlternateContent xmlns:mc="http://schemas.openxmlformats.org/markup-compatibility/2006">
-        <mc:Choice xmlns:a14="http://schemas.microsoft.com/office/drawing/2010/main" Requires="a14">
+      <mc:AlternateContent xmlns:mc="http://schemas.openxmlformats.org/markup-compatibility/2006" xmlns:a14="http://schemas.microsoft.com/office/drawing/2010/main">
+        <mc:Choice Requires="a14">
           <p:sp>
             <p:nvSpPr>
               <p:cNvPr id="29" name="TextBox 28">
@@ -9504,7 +9513,7 @@
             </p:txBody>
           </p:sp>
         </mc:Choice>
-        <mc:Fallback>
+        <mc:Fallback xmlns="">
           <p:sp>
             <p:nvSpPr>
               <p:cNvPr id="29" name="TextBox 28">
@@ -9549,8 +9558,8 @@
           </p:sp>
         </mc:Fallback>
       </mc:AlternateContent>
-      <mc:AlternateContent xmlns:mc="http://schemas.openxmlformats.org/markup-compatibility/2006">
-        <mc:Choice xmlns:a14="http://schemas.microsoft.com/office/drawing/2010/main" Requires="a14">
+      <mc:AlternateContent xmlns:mc="http://schemas.openxmlformats.org/markup-compatibility/2006" xmlns:a14="http://schemas.microsoft.com/office/drawing/2010/main">
+        <mc:Choice Requires="a14">
           <p:sp>
             <p:nvSpPr>
               <p:cNvPr id="23" name="TextBox 22">
@@ -10022,7 +10031,7 @@
             </p:txBody>
           </p:sp>
         </mc:Choice>
-        <mc:Fallback>
+        <mc:Fallback xmlns="">
           <p:sp>
             <p:nvSpPr>
               <p:cNvPr id="23" name="TextBox 22">
@@ -10067,8 +10076,8 @@
           </p:sp>
         </mc:Fallback>
       </mc:AlternateContent>
-      <mc:AlternateContent xmlns:mc="http://schemas.openxmlformats.org/markup-compatibility/2006">
-        <mc:Choice xmlns:a14="http://schemas.microsoft.com/office/drawing/2010/main" Requires="a14">
+      <mc:AlternateContent xmlns:mc="http://schemas.openxmlformats.org/markup-compatibility/2006" xmlns:a14="http://schemas.microsoft.com/office/drawing/2010/main">
+        <mc:Choice Requires="a14">
           <p:sp>
             <p:nvSpPr>
               <p:cNvPr id="30" name="TextBox 29">
@@ -10189,7 +10198,7 @@
                       <m:d>
                         <m:dPr>
                           <m:ctrlPr>
-                            <a:rPr lang="en-US" sz="2000" b="0" smtClean="0">
+                            <a:rPr lang="en-US" sz="2000" b="0" i="1" smtClean="0">
                               <a:solidFill>
                                 <a:srgbClr val="404040"/>
                               </a:solidFill>
@@ -10393,7 +10402,7 @@
             </p:txBody>
           </p:sp>
         </mc:Choice>
-        <mc:Fallback>
+        <mc:Fallback xmlns="">
           <p:sp>
             <p:nvSpPr>
               <p:cNvPr id="30" name="TextBox 29">
@@ -11612,8 +11621,8 @@
           <a:chExt cx="0" cy="0"/>
         </a:xfrm>
       </p:grpSpPr>
-      <mc:AlternateContent xmlns:mc="http://schemas.openxmlformats.org/markup-compatibility/2006">
-        <mc:Choice xmlns:a14="http://schemas.microsoft.com/office/drawing/2010/main" Requires="a14">
+      <mc:AlternateContent xmlns:mc="http://schemas.openxmlformats.org/markup-compatibility/2006" xmlns:a14="http://schemas.microsoft.com/office/drawing/2010/main">
+        <mc:Choice Requires="a14">
           <p:sp>
             <p:nvSpPr>
               <p:cNvPr id="36" name="TextBox 35">
@@ -11995,7 +12004,7 @@
             </p:txBody>
           </p:sp>
         </mc:Choice>
-        <mc:Fallback>
+        <mc:Fallback xmlns="">
           <p:sp>
             <p:nvSpPr>
               <p:cNvPr id="36" name="TextBox 35">
@@ -12897,8 +12906,8 @@
           </a:prstGeom>
         </p:spPr>
       </p:pic>
-      <mc:AlternateContent xmlns:mc="http://schemas.openxmlformats.org/markup-compatibility/2006">
-        <mc:Choice xmlns:a14="http://schemas.microsoft.com/office/drawing/2010/main" Requires="a14">
+      <mc:AlternateContent xmlns:mc="http://schemas.openxmlformats.org/markup-compatibility/2006" xmlns:a14="http://schemas.microsoft.com/office/drawing/2010/main">
+        <mc:Choice Requires="a14">
           <p:sp>
             <p:nvSpPr>
               <p:cNvPr id="23" name="TextBox 22">
@@ -13200,7 +13209,7 @@
             </p:txBody>
           </p:sp>
         </mc:Choice>
-        <mc:Fallback>
+        <mc:Fallback xmlns="">
           <p:sp>
             <p:nvSpPr>
               <p:cNvPr id="23" name="TextBox 22">
@@ -15518,8 +15527,8 @@
           </a:prstGeom>
         </p:spPr>
       </p:pic>
-      <mc:AlternateContent xmlns:mc="http://schemas.openxmlformats.org/markup-compatibility/2006">
-        <mc:Choice xmlns:a14="http://schemas.microsoft.com/office/drawing/2010/main" Requires="a14">
+      <mc:AlternateContent xmlns:mc="http://schemas.openxmlformats.org/markup-compatibility/2006" xmlns:a14="http://schemas.microsoft.com/office/drawing/2010/main">
+        <mc:Choice Requires="a14">
           <p:sp>
             <p:nvSpPr>
               <p:cNvPr id="23" name="TextBox 22">
@@ -15972,7 +15981,7 @@
             </p:txBody>
           </p:sp>
         </mc:Choice>
-        <mc:Fallback>
+        <mc:Fallback xmlns="">
           <p:sp>
             <p:nvSpPr>
               <p:cNvPr id="23" name="TextBox 22">
@@ -20676,8 +20685,8 @@
           <a:chExt cx="0" cy="0"/>
         </a:xfrm>
       </p:grpSpPr>
-      <mc:AlternateContent xmlns:mc="http://schemas.openxmlformats.org/markup-compatibility/2006">
-        <mc:Choice xmlns:a14="http://schemas.microsoft.com/office/drawing/2010/main" Requires="a14">
+      <mc:AlternateContent xmlns:mc="http://schemas.openxmlformats.org/markup-compatibility/2006" xmlns:a14="http://schemas.microsoft.com/office/drawing/2010/main">
+        <mc:Choice Requires="a14">
           <p:sp>
             <p:nvSpPr>
               <p:cNvPr id="36" name="TextBox 35">
@@ -20894,7 +20903,7 @@
             </p:txBody>
           </p:sp>
         </mc:Choice>
-        <mc:Fallback>
+        <mc:Fallback xmlns="">
           <p:sp>
             <p:nvSpPr>
               <p:cNvPr id="36" name="TextBox 35">
@@ -21796,8 +21805,8 @@
           </a:prstGeom>
         </p:spPr>
       </p:pic>
-      <mc:AlternateContent xmlns:mc="http://schemas.openxmlformats.org/markup-compatibility/2006">
-        <mc:Choice xmlns:a14="http://schemas.microsoft.com/office/drawing/2010/main" Requires="a14">
+      <mc:AlternateContent xmlns:mc="http://schemas.openxmlformats.org/markup-compatibility/2006" xmlns:a14="http://schemas.microsoft.com/office/drawing/2010/main">
+        <mc:Choice Requires="a14">
           <p:sp>
             <p:nvSpPr>
               <p:cNvPr id="9" name="TextBox 8">
@@ -21979,34 +21988,7 @@
                         </a:solidFill>
                         <a:latin typeface="Cambria Math" panose="02040503050406030204" pitchFamily="18" charset="0"/>
                       </a:rPr>
-                      <m:t>=</m:t>
-                    </m:r>
-                    <m:r>
-                      <a:rPr lang="en-US" sz="2000" i="1">
-                        <a:solidFill>
-                          <a:srgbClr val="404040"/>
-                        </a:solidFill>
-                        <a:latin typeface="Cambria Math" panose="02040503050406030204" pitchFamily="18" charset="0"/>
-                      </a:rPr>
-                      <m:t>5</m:t>
-                    </m:r>
-                    <m:r>
-                      <a:rPr lang="en-US" sz="2000" i="1">
-                        <a:solidFill>
-                          <a:srgbClr val="404040"/>
-                        </a:solidFill>
-                        <a:latin typeface="Cambria Math" panose="02040503050406030204" pitchFamily="18" charset="0"/>
-                      </a:rPr>
-                      <m:t>−0.</m:t>
-                    </m:r>
-                    <m:r>
-                      <a:rPr lang="en-US" sz="2000" i="1">
-                        <a:solidFill>
-                          <a:srgbClr val="404040"/>
-                        </a:solidFill>
-                        <a:latin typeface="Cambria Math" panose="02040503050406030204" pitchFamily="18" charset="0"/>
-                      </a:rPr>
-                      <m:t>2</m:t>
+                      <m:t>=5−0.2</m:t>
                     </m:r>
                     <m:r>
                       <a:rPr lang="en-US" sz="2000" i="1">
@@ -22029,7 +22011,7 @@
             </p:txBody>
           </p:sp>
         </mc:Choice>
-        <mc:Fallback>
+        <mc:Fallback xmlns="">
           <p:sp>
             <p:nvSpPr>
               <p:cNvPr id="9" name="TextBox 8">
@@ -22074,8 +22056,8 @@
           </p:sp>
         </mc:Fallback>
       </mc:AlternateContent>
-      <mc:AlternateContent xmlns:mc="http://schemas.openxmlformats.org/markup-compatibility/2006">
-        <mc:Choice xmlns:a14="http://schemas.microsoft.com/office/drawing/2010/main" Requires="a14">
+      <mc:AlternateContent xmlns:mc="http://schemas.openxmlformats.org/markup-compatibility/2006" xmlns:a14="http://schemas.microsoft.com/office/drawing/2010/main">
+        <mc:Choice Requires="a14">
           <p:sp>
             <p:nvSpPr>
               <p:cNvPr id="29" name="TextBox 28">
@@ -22160,7 +22142,7 @@
             </p:txBody>
           </p:sp>
         </mc:Choice>
-        <mc:Fallback>
+        <mc:Fallback xmlns="">
           <p:sp>
             <p:nvSpPr>
               <p:cNvPr id="29" name="TextBox 28">
@@ -22205,8 +22187,8 @@
           </p:sp>
         </mc:Fallback>
       </mc:AlternateContent>
-      <mc:AlternateContent xmlns:mc="http://schemas.openxmlformats.org/markup-compatibility/2006">
-        <mc:Choice xmlns:a14="http://schemas.microsoft.com/office/drawing/2010/main" Requires="a14">
+      <mc:AlternateContent xmlns:mc="http://schemas.openxmlformats.org/markup-compatibility/2006" xmlns:a14="http://schemas.microsoft.com/office/drawing/2010/main">
+        <mc:Choice Requires="a14">
           <p:sp>
             <p:nvSpPr>
               <p:cNvPr id="30" name="TextBox 29">
@@ -22249,7 +22231,7 @@
                     <m:d>
                       <m:dPr>
                         <m:ctrlPr>
-                          <a:rPr lang="en-US" sz="2000" b="0" i="0" smtClean="0">
+                          <a:rPr lang="en-US" sz="2000" b="0" i="1" smtClean="0">
                             <a:solidFill>
                               <a:srgbClr val="404040"/>
                             </a:solidFill>
@@ -22299,7 +22281,7 @@
                     <m:d>
                       <m:dPr>
                         <m:ctrlPr>
-                          <a:rPr lang="en-US" sz="2000" b="0" i="0" smtClean="0">
+                          <a:rPr lang="en-US" sz="2000" b="0" i="1" smtClean="0">
                             <a:solidFill>
                               <a:srgbClr val="404040"/>
                             </a:solidFill>
@@ -22473,7 +22455,7 @@
             </p:txBody>
           </p:sp>
         </mc:Choice>
-        <mc:Fallback>
+        <mc:Fallback xmlns="">
           <p:sp>
             <p:nvSpPr>
               <p:cNvPr id="30" name="TextBox 29">
@@ -25978,8 +25960,8 @@
           <a:chExt cx="0" cy="0"/>
         </a:xfrm>
       </p:grpSpPr>
-      <mc:AlternateContent xmlns:mc="http://schemas.openxmlformats.org/markup-compatibility/2006">
-        <mc:Choice xmlns:a14="http://schemas.microsoft.com/office/drawing/2010/main" Requires="a14">
+      <mc:AlternateContent xmlns:mc="http://schemas.openxmlformats.org/markup-compatibility/2006" xmlns:a14="http://schemas.microsoft.com/office/drawing/2010/main">
+        <mc:Choice Requires="a14">
           <p:sp>
             <p:nvSpPr>
               <p:cNvPr id="36" name="TextBox 35">
@@ -26254,7 +26236,7 @@
             </p:txBody>
           </p:sp>
         </mc:Choice>
-        <mc:Fallback>
+        <mc:Fallback xmlns="">
           <p:sp>
             <p:nvSpPr>
               <p:cNvPr id="36" name="TextBox 35">
@@ -27156,8 +27138,8 @@
           </a:prstGeom>
         </p:spPr>
       </p:pic>
-      <mc:AlternateContent xmlns:mc="http://schemas.openxmlformats.org/markup-compatibility/2006">
-        <mc:Choice xmlns:a14="http://schemas.microsoft.com/office/drawing/2010/main" Requires="a14">
+      <mc:AlternateContent xmlns:mc="http://schemas.openxmlformats.org/markup-compatibility/2006" xmlns:a14="http://schemas.microsoft.com/office/drawing/2010/main">
+        <mc:Choice Requires="a14">
           <p:sp>
             <p:nvSpPr>
               <p:cNvPr id="23" name="TextBox 22">
@@ -27387,7 +27369,7 @@
             </p:txBody>
           </p:sp>
         </mc:Choice>
-        <mc:Fallback>
+        <mc:Fallback xmlns="">
           <p:sp>
             <p:nvSpPr>
               <p:cNvPr id="23" name="TextBox 22">
